--- a/LEC/lec05-06-bin-packing-heuristics-ip/Bin Packing Problem PPT.pptx
+++ b/LEC/lec05-06-bin-packing-heuristics-ip/Bin Packing Problem PPT.pptx
@@ -131,7 +131,7 @@
 <file path=ppt/revisionInfo.xml><?xml version="1.0" encoding="utf-8"?>
 <p1510:revInfo xmlns:a="http://schemas.openxmlformats.org/drawingml/2006/main" xmlns:r="http://schemas.openxmlformats.org/officeDocument/2006/relationships" xmlns:p1510="http://schemas.microsoft.com/office/powerpoint/2015/10/main">
   <p1510:revLst>
-    <p1510:client id="{D55E3579-00C3-4343-A831-471F118B9A70}" v="1" dt="2026-01-26T17:21:43.468"/>
+    <p1510:client id="{91AE162A-DFDC-4EA0-AB8B-19AAC19F9D8C}" v="1" dt="2026-01-29T18:04:27.297"/>
   </p1510:revLst>
 </p1510:revInfo>
 </file>
@@ -141,7 +141,7 @@
   <pc:docChgLst>
     <pc:chgData name="Frommer, Ian Dr. (EDU)" userId="28ca3ff0-544f-450a-928b-99e19cf49b89" providerId="ADAL" clId="{FDDA6EB0-4FD6-4516-ACA5-A4CAC6441DA7}"/>
     <pc:docChg chg="undo custSel delSld modSld">
-      <pc:chgData name="Frommer, Ian Dr. (EDU)" userId="28ca3ff0-544f-450a-928b-99e19cf49b89" providerId="ADAL" clId="{FDDA6EB0-4FD6-4516-ACA5-A4CAC6441DA7}" dt="2026-01-26T17:21:49.392" v="71" actId="47"/>
+      <pc:chgData name="Frommer, Ian Dr. (EDU)" userId="28ca3ff0-544f-450a-928b-99e19cf49b89" providerId="ADAL" clId="{FDDA6EB0-4FD6-4516-ACA5-A4CAC6441DA7}" dt="2026-01-29T18:06:41.777" v="547" actId="20577"/>
       <pc:docMkLst>
         <pc:docMk/>
       </pc:docMkLst>
@@ -161,13 +161,13 @@
         </pc:spChg>
       </pc:sldChg>
       <pc:sldChg chg="modSp mod">
-        <pc:chgData name="Frommer, Ian Dr. (EDU)" userId="28ca3ff0-544f-450a-928b-99e19cf49b89" providerId="ADAL" clId="{FDDA6EB0-4FD6-4516-ACA5-A4CAC6441DA7}" dt="2026-01-26T17:21:35.641" v="68" actId="20577"/>
+        <pc:chgData name="Frommer, Ian Dr. (EDU)" userId="28ca3ff0-544f-450a-928b-99e19cf49b89" providerId="ADAL" clId="{FDDA6EB0-4FD6-4516-ACA5-A4CAC6441DA7}" dt="2026-01-29T18:04:37.210" v="339" actId="20577"/>
         <pc:sldMkLst>
           <pc:docMk/>
           <pc:sldMk cId="1766118634" sldId="268"/>
         </pc:sldMkLst>
         <pc:spChg chg="mod">
-          <ac:chgData name="Frommer, Ian Dr. (EDU)" userId="28ca3ff0-544f-450a-928b-99e19cf49b89" providerId="ADAL" clId="{FDDA6EB0-4FD6-4516-ACA5-A4CAC6441DA7}" dt="2026-01-26T17:21:35.641" v="68" actId="20577"/>
+          <ac:chgData name="Frommer, Ian Dr. (EDU)" userId="28ca3ff0-544f-450a-928b-99e19cf49b89" providerId="ADAL" clId="{FDDA6EB0-4FD6-4516-ACA5-A4CAC6441DA7}" dt="2026-01-29T18:04:37.210" v="339" actId="20577"/>
           <ac:spMkLst>
             <pc:docMk/>
             <pc:sldMk cId="1766118634" sldId="268"/>
@@ -176,26 +176,19 @@
         </pc:spChg>
       </pc:sldChg>
       <pc:sldChg chg="modSp mod">
-        <pc:chgData name="Frommer, Ian Dr. (EDU)" userId="28ca3ff0-544f-450a-928b-99e19cf49b89" providerId="ADAL" clId="{FDDA6EB0-4FD6-4516-ACA5-A4CAC6441DA7}" dt="2026-01-26T17:21:43.468" v="70"/>
+        <pc:chgData name="Frommer, Ian Dr. (EDU)" userId="28ca3ff0-544f-450a-928b-99e19cf49b89" providerId="ADAL" clId="{FDDA6EB0-4FD6-4516-ACA5-A4CAC6441DA7}" dt="2026-01-29T18:06:41.777" v="547" actId="20577"/>
         <pc:sldMkLst>
           <pc:docMk/>
           <pc:sldMk cId="3605661804" sldId="269"/>
         </pc:sldMkLst>
         <pc:spChg chg="mod">
-          <ac:chgData name="Frommer, Ian Dr. (EDU)" userId="28ca3ff0-544f-450a-928b-99e19cf49b89" providerId="ADAL" clId="{FDDA6EB0-4FD6-4516-ACA5-A4CAC6441DA7}" dt="2026-01-26T17:21:43.468" v="70"/>
+          <ac:chgData name="Frommer, Ian Dr. (EDU)" userId="28ca3ff0-544f-450a-928b-99e19cf49b89" providerId="ADAL" clId="{FDDA6EB0-4FD6-4516-ACA5-A4CAC6441DA7}" dt="2026-01-29T18:06:41.777" v="547" actId="20577"/>
           <ac:spMkLst>
             <pc:docMk/>
             <pc:sldMk cId="3605661804" sldId="269"/>
             <ac:spMk id="3" creationId="{00000000-0000-0000-0000-000000000000}"/>
           </ac:spMkLst>
         </pc:spChg>
-      </pc:sldChg>
-      <pc:sldChg chg="del">
-        <pc:chgData name="Frommer, Ian Dr. (EDU)" userId="28ca3ff0-544f-450a-928b-99e19cf49b89" providerId="ADAL" clId="{FDDA6EB0-4FD6-4516-ACA5-A4CAC6441DA7}" dt="2026-01-26T17:21:49.392" v="71" actId="47"/>
-        <pc:sldMkLst>
-          <pc:docMk/>
-          <pc:sldMk cId="4044641915" sldId="270"/>
-        </pc:sldMkLst>
       </pc:sldChg>
     </pc:docChg>
   </pc:docChgLst>
@@ -284,7 +277,7 @@
           <a:p>
             <a:fld id="{A966EFD6-0E29-40FA-BD48-86C57B45616B}" type="datetimeFigureOut">
               <a:rPr lang="en-US" smtClean="0"/>
-              <a:t>1/26/2026</a:t>
+              <a:t>1/29/2026</a:t>
             </a:fld>
             <a:endParaRPr lang="en-US"/>
           </a:p>
@@ -1153,7 +1146,7 @@
           <a:p>
             <a:fld id="{541498E3-D325-4A79-B49D-517FCF5C7F64}" type="datetimeFigureOut">
               <a:rPr lang="en-US" smtClean="0"/>
-              <a:t>1/26/2026</a:t>
+              <a:t>1/29/2026</a:t>
             </a:fld>
             <a:endParaRPr lang="en-US"/>
           </a:p>
@@ -1321,7 +1314,7 @@
           <a:p>
             <a:fld id="{541498E3-D325-4A79-B49D-517FCF5C7F64}" type="datetimeFigureOut">
               <a:rPr lang="en-US" smtClean="0"/>
-              <a:t>1/26/2026</a:t>
+              <a:t>1/29/2026</a:t>
             </a:fld>
             <a:endParaRPr lang="en-US"/>
           </a:p>
@@ -1499,7 +1492,7 @@
           <a:p>
             <a:fld id="{541498E3-D325-4A79-B49D-517FCF5C7F64}" type="datetimeFigureOut">
               <a:rPr lang="en-US" smtClean="0"/>
-              <a:t>1/26/2026</a:t>
+              <a:t>1/29/2026</a:t>
             </a:fld>
             <a:endParaRPr lang="en-US"/>
           </a:p>
@@ -1667,7 +1660,7 @@
           <a:p>
             <a:fld id="{541498E3-D325-4A79-B49D-517FCF5C7F64}" type="datetimeFigureOut">
               <a:rPr lang="en-US" smtClean="0"/>
-              <a:t>1/26/2026</a:t>
+              <a:t>1/29/2026</a:t>
             </a:fld>
             <a:endParaRPr lang="en-US"/>
           </a:p>
@@ -1912,7 +1905,7 @@
           <a:p>
             <a:fld id="{541498E3-D325-4A79-B49D-517FCF5C7F64}" type="datetimeFigureOut">
               <a:rPr lang="en-US" smtClean="0"/>
-              <a:t>1/26/2026</a:t>
+              <a:t>1/29/2026</a:t>
             </a:fld>
             <a:endParaRPr lang="en-US"/>
           </a:p>
@@ -2141,7 +2134,7 @@
           <a:p>
             <a:fld id="{541498E3-D325-4A79-B49D-517FCF5C7F64}" type="datetimeFigureOut">
               <a:rPr lang="en-US" smtClean="0"/>
-              <a:t>1/26/2026</a:t>
+              <a:t>1/29/2026</a:t>
             </a:fld>
             <a:endParaRPr lang="en-US"/>
           </a:p>
@@ -2505,7 +2498,7 @@
           <a:p>
             <a:fld id="{541498E3-D325-4A79-B49D-517FCF5C7F64}" type="datetimeFigureOut">
               <a:rPr lang="en-US" smtClean="0"/>
-              <a:t>1/26/2026</a:t>
+              <a:t>1/29/2026</a:t>
             </a:fld>
             <a:endParaRPr lang="en-US"/>
           </a:p>
@@ -2622,7 +2615,7 @@
           <a:p>
             <a:fld id="{541498E3-D325-4A79-B49D-517FCF5C7F64}" type="datetimeFigureOut">
               <a:rPr lang="en-US" smtClean="0"/>
-              <a:t>1/26/2026</a:t>
+              <a:t>1/29/2026</a:t>
             </a:fld>
             <a:endParaRPr lang="en-US"/>
           </a:p>
@@ -2717,7 +2710,7 @@
           <a:p>
             <a:fld id="{541498E3-D325-4A79-B49D-517FCF5C7F64}" type="datetimeFigureOut">
               <a:rPr lang="en-US" smtClean="0"/>
-              <a:t>1/26/2026</a:t>
+              <a:t>1/29/2026</a:t>
             </a:fld>
             <a:endParaRPr lang="en-US"/>
           </a:p>
@@ -2992,7 +2985,7 @@
           <a:p>
             <a:fld id="{541498E3-D325-4A79-B49D-517FCF5C7F64}" type="datetimeFigureOut">
               <a:rPr lang="en-US" smtClean="0"/>
-              <a:t>1/26/2026</a:t>
+              <a:t>1/29/2026</a:t>
             </a:fld>
             <a:endParaRPr lang="en-US"/>
           </a:p>
@@ -3244,7 +3237,7 @@
           <a:p>
             <a:fld id="{541498E3-D325-4A79-B49D-517FCF5C7F64}" type="datetimeFigureOut">
               <a:rPr lang="en-US" smtClean="0"/>
-              <a:t>1/26/2026</a:t>
+              <a:t>1/29/2026</a:t>
             </a:fld>
             <a:endParaRPr lang="en-US"/>
           </a:p>
@@ -3455,7 +3448,7 @@
           <a:p>
             <a:fld id="{541498E3-D325-4A79-B49D-517FCF5C7F64}" type="datetimeFigureOut">
               <a:rPr lang="en-US" smtClean="0"/>
-              <a:t>1/26/2026</a:t>
+              <a:t>1/29/2026</a:t>
             </a:fld>
             <a:endParaRPr lang="en-US"/>
           </a:p>
@@ -5869,11 +5862,51 @@
             </a:pPr>
             <a:r>
               <a:rPr lang="en-US" i="1"/>
-              <a:t>fill in in class</a:t>
+              <a:t>sort items in decreasing size order</a:t>
             </a:r>
             <a:r>
               <a:rPr lang="en-US"/>
               <a:t>  </a:t>
+            </a:r>
+          </a:p>
+          <a:p>
+            <a:pPr marL="514350" indent="-514350">
+              <a:buFont typeface="+mj-lt"/>
+              <a:buAutoNum type="arabicPeriod"/>
+            </a:pPr>
+            <a:r>
+              <a:rPr lang="en-US"/>
+              <a:t>open one bin</a:t>
+            </a:r>
+          </a:p>
+          <a:p>
+            <a:pPr marL="514350" indent="-514350">
+              <a:buFont typeface="+mj-lt"/>
+              <a:buAutoNum type="arabicPeriod"/>
+            </a:pPr>
+            <a:r>
+              <a:rPr lang="en-US"/>
+              <a:t>start at front of list, put item in bin if possible, otherwise put item in new bin</a:t>
+            </a:r>
+          </a:p>
+          <a:p>
+            <a:pPr marL="514350" indent="-514350">
+              <a:buFont typeface="+mj-lt"/>
+              <a:buAutoNum type="arabicPeriod"/>
+            </a:pPr>
+            <a:r>
+              <a:rPr lang="en-US"/>
+              <a:t>next choose item from bak of list, put item in possible, otherwise put item in new bin</a:t>
+            </a:r>
+          </a:p>
+          <a:p>
+            <a:pPr marL="514350" indent="-514350">
+              <a:buFont typeface="+mj-lt"/>
+              <a:buAutoNum type="arabicPeriod"/>
+            </a:pPr>
+            <a:r>
+              <a:rPr lang="en-US"/>
+              <a:t>go step 3</a:t>
             </a:r>
             <a:endParaRPr lang="en-US" dirty="0"/>
           </a:p>
@@ -5973,11 +6006,7 @@
             </a:pPr>
             <a:r>
               <a:rPr lang="en-US" i="1"/>
-              <a:t>fill in in class</a:t>
-            </a:r>
-            <a:r>
-              <a:rPr lang="en-US"/>
-              <a:t>  </a:t>
+              <a:t>sort items in descreasing size order</a:t>
             </a:r>
           </a:p>
           <a:p>
@@ -5985,27 +6014,50 @@
               <a:buFont typeface="+mj-lt"/>
               <a:buAutoNum type="arabicPeriod"/>
             </a:pPr>
-            <a:endParaRPr lang="en-US"/>
+            <a:r>
+              <a:rPr lang="en-US" i="1"/>
+              <a:t>open first bin</a:t>
+            </a:r>
           </a:p>
           <a:p>
             <a:pPr marL="514350" indent="-514350">
               <a:buFont typeface="+mj-lt"/>
               <a:buAutoNum type="arabicPeriod"/>
             </a:pPr>
-            <a:endParaRPr lang="en-US"/>
+            <a:r>
+              <a:rPr lang="en-US" i="1"/>
+              <a:t>put largest item in list in the bin</a:t>
+            </a:r>
           </a:p>
           <a:p>
             <a:pPr marL="514350" indent="-514350">
               <a:buFont typeface="+mj-lt"/>
               <a:buAutoNum type="arabicPeriod"/>
             </a:pPr>
-            <a:endParaRPr lang="en-US"/>
-          </a:p>
-          <a:p>
-            <a:pPr marL="0" indent="0">
-              <a:buNone/>
+            <a:r>
+              <a:rPr lang="en-US" i="1"/>
+              <a:t>next put largest item that will fit into that bin</a:t>
+            </a:r>
+          </a:p>
+          <a:p>
+            <a:pPr marL="514350" indent="-514350">
+              <a:buFont typeface="+mj-lt"/>
+              <a:buAutoNum type="arabicPeriod"/>
             </a:pPr>
-            <a:endParaRPr lang="en-US" dirty="0"/>
+            <a:r>
+              <a:rPr lang="en-US" i="1"/>
+              <a:t>when bin is full open new bin</a:t>
+            </a:r>
+          </a:p>
+          <a:p>
+            <a:pPr marL="514350" indent="-514350">
+              <a:buFont typeface="+mj-lt"/>
+              <a:buAutoNum type="arabicPeriod"/>
+            </a:pPr>
+            <a:r>
+              <a:rPr lang="en-US" i="1"/>
+              <a:t>go to step 3</a:t>
+            </a:r>
           </a:p>
         </p:txBody>
       </p:sp>
